--- a/test/pptx/layouts/moved.pptx
+++ b/test/pptx/layouts/moved.pptx
@@ -6196,34 +6196,6 @@
               <a:rPr/>
               <a:t>Testing Layouts</a:t>
             </a:r>
-          </a:p>
-        </p:txBody>
-      </p:sp>
-      <p:sp>
-        <p:nvSpPr>
-          <p:cNvPr id="3" name="Subtitle 2"/>
-          <p:cNvSpPr>
-            <a:spLocks noGrp="1"/>
-          </p:cNvSpPr>
-          <p:nvPr>
-            <p:ph idx="1" type="subTitle"/>
-          </p:nvPr>
-        </p:nvSpPr>
-        <p:spPr>
-          <a:xfrm>
-            <a:off x="2209799" y="3694375"/>
-            <a:ext cx="9144000" cy="754025"/>
-          </a:xfrm>
-        </p:spPr>
-        <p:txBody>
-          <a:bodyPr/>
-          <a:lstStyle/>
-          <a:p>
-            <a:pPr lvl="0" indent="0" marL="0">
-              <a:buNone/>
-            </a:pPr>
-            <a:br/>
-            <a:br/>
           </a:p>
         </p:txBody>
       </p:sp>

--- a/test/pptx/layouts/moved.pptx
+++ b/test/pptx/layouts/moved.pptx
@@ -6479,7 +6479,9 @@
         <p:nvSpPr>
           <p:cNvPr id="1" name="TextBox 3"/>
           <p:cNvSpPr txBox="1"/>
-          <p:nvPr/>
+          <p:nvPr>
+            <p:ph idx="1"/>
+          </p:nvPr>
         </p:nvSpPr>
         <p:spPr>
           <a:xfrm>
@@ -6616,7 +6618,9 @@
         <p:nvSpPr>
           <p:cNvPr id="1" name="TextBox 3"/>
           <p:cNvSpPr txBox="1"/>
-          <p:nvPr/>
+          <p:nvPr>
+            <p:ph idx="1"/>
+          </p:nvPr>
         </p:nvSpPr>
         <p:spPr>
           <a:xfrm>
